--- a/트렌드리포트.pptx
+++ b/트렌드리포트.pptx
@@ -205,7 +205,7 @@
           <a:p>
             <a:fld id="{3226C23A-E3FC-3242-BDB9-5577B36408FA}" type="datetimeFigureOut">
               <a:rPr lang="en-US" smtClean="0"/>
-              <a:t>6/24/2019</a:t>
+              <a:t>6/26/2019</a:t>
             </a:fld>
             <a:endParaRPr lang="en-US"/>
           </a:p>
@@ -603,7 +603,7 @@
           <a:p>
             <a:fld id="{5230891A-88BA-4995-9E78-613BABDBD519}" type="datetimeFigureOut">
               <a:rPr lang="ko-KR" altLang="en-US" smtClean="0"/>
-              <a:t>2019-06-24</a:t>
+              <a:t>2019-06-26</a:t>
             </a:fld>
             <a:endParaRPr lang="ko-KR" altLang="en-US"/>
           </a:p>
@@ -773,7 +773,7 @@
           <a:p>
             <a:fld id="{5230891A-88BA-4995-9E78-613BABDBD519}" type="datetimeFigureOut">
               <a:rPr lang="ko-KR" altLang="en-US" smtClean="0"/>
-              <a:t>2019-06-24</a:t>
+              <a:t>2019-06-26</a:t>
             </a:fld>
             <a:endParaRPr lang="ko-KR" altLang="en-US"/>
           </a:p>
@@ -953,7 +953,7 @@
           <a:p>
             <a:fld id="{5230891A-88BA-4995-9E78-613BABDBD519}" type="datetimeFigureOut">
               <a:rPr lang="ko-KR" altLang="en-US" smtClean="0"/>
-              <a:t>2019-06-24</a:t>
+              <a:t>2019-06-26</a:t>
             </a:fld>
             <a:endParaRPr lang="ko-KR" altLang="en-US"/>
           </a:p>
@@ -1123,7 +1123,7 @@
           <a:p>
             <a:fld id="{5230891A-88BA-4995-9E78-613BABDBD519}" type="datetimeFigureOut">
               <a:rPr lang="ko-KR" altLang="en-US" smtClean="0"/>
-              <a:t>2019-06-24</a:t>
+              <a:t>2019-06-26</a:t>
             </a:fld>
             <a:endParaRPr lang="ko-KR" altLang="en-US"/>
           </a:p>
@@ -1367,7 +1367,7 @@
           <a:p>
             <a:fld id="{5230891A-88BA-4995-9E78-613BABDBD519}" type="datetimeFigureOut">
               <a:rPr lang="ko-KR" altLang="en-US" smtClean="0"/>
-              <a:t>2019-06-24</a:t>
+              <a:t>2019-06-26</a:t>
             </a:fld>
             <a:endParaRPr lang="ko-KR" altLang="en-US"/>
           </a:p>
@@ -1599,7 +1599,7 @@
           <a:p>
             <a:fld id="{5230891A-88BA-4995-9E78-613BABDBD519}" type="datetimeFigureOut">
               <a:rPr lang="ko-KR" altLang="en-US" smtClean="0"/>
-              <a:t>2019-06-24</a:t>
+              <a:t>2019-06-26</a:t>
             </a:fld>
             <a:endParaRPr lang="ko-KR" altLang="en-US"/>
           </a:p>
@@ -1966,7 +1966,7 @@
           <a:p>
             <a:fld id="{5230891A-88BA-4995-9E78-613BABDBD519}" type="datetimeFigureOut">
               <a:rPr lang="ko-KR" altLang="en-US" smtClean="0"/>
-              <a:t>2019-06-24</a:t>
+              <a:t>2019-06-26</a:t>
             </a:fld>
             <a:endParaRPr lang="ko-KR" altLang="en-US"/>
           </a:p>
@@ -2084,7 +2084,7 @@
           <a:p>
             <a:fld id="{5230891A-88BA-4995-9E78-613BABDBD519}" type="datetimeFigureOut">
               <a:rPr lang="ko-KR" altLang="en-US" smtClean="0"/>
-              <a:t>2019-06-24</a:t>
+              <a:t>2019-06-26</a:t>
             </a:fld>
             <a:endParaRPr lang="ko-KR" altLang="en-US"/>
           </a:p>
@@ -2179,7 +2179,7 @@
           <a:p>
             <a:fld id="{5230891A-88BA-4995-9E78-613BABDBD519}" type="datetimeFigureOut">
               <a:rPr lang="ko-KR" altLang="en-US" smtClean="0"/>
-              <a:t>2019-06-24</a:t>
+              <a:t>2019-06-26</a:t>
             </a:fld>
             <a:endParaRPr lang="ko-KR" altLang="en-US"/>
           </a:p>
@@ -2456,7 +2456,7 @@
           <a:p>
             <a:fld id="{5230891A-88BA-4995-9E78-613BABDBD519}" type="datetimeFigureOut">
               <a:rPr lang="ko-KR" altLang="en-US" smtClean="0"/>
-              <a:t>2019-06-24</a:t>
+              <a:t>2019-06-26</a:t>
             </a:fld>
             <a:endParaRPr lang="ko-KR" altLang="en-US"/>
           </a:p>
@@ -2713,7 +2713,7 @@
           <a:p>
             <a:fld id="{5230891A-88BA-4995-9E78-613BABDBD519}" type="datetimeFigureOut">
               <a:rPr lang="ko-KR" altLang="en-US" smtClean="0"/>
-              <a:t>2019-06-24</a:t>
+              <a:t>2019-06-26</a:t>
             </a:fld>
             <a:endParaRPr lang="ko-KR" altLang="en-US"/>
           </a:p>
@@ -2926,7 +2926,7 @@
           <a:p>
             <a:fld id="{5230891A-88BA-4995-9E78-613BABDBD519}" type="datetimeFigureOut">
               <a:rPr lang="ko-KR" altLang="en-US" smtClean="0"/>
-              <a:t>2019-06-24</a:t>
+              <a:t>2019-06-26</a:t>
             </a:fld>
             <a:endParaRPr lang="ko-KR" altLang="en-US"/>
           </a:p>
@@ -4715,45 +4715,7 @@
                 <a:latin typeface="Noto Sans CJK KR DemiLight" panose="020B0400000000000000" pitchFamily="34" charset="-127"/>
                 <a:ea typeface="Noto Sans CJK KR DemiLight" panose="020B0400000000000000" pitchFamily="34" charset="-127"/>
               </a:rPr>
-              <a:t>과 유사한 형식의 웹 </a:t>
-            </a:r>
-            <a:r>
-              <a:rPr lang="ko-KR" altLang="en-US" spc="-130" dirty="0" smtClean="0">
-                <a:ln>
-                  <a:solidFill>
-                    <a:schemeClr val="tx1">
-                      <a:lumMod val="95000"/>
-                      <a:lumOff val="5000"/>
-                      <a:alpha val="22000"/>
-                    </a:schemeClr>
-                  </a:solidFill>
-                </a:ln>
-                <a:solidFill>
-                  <a:schemeClr val="bg1"/>
-                </a:solidFill>
-                <a:latin typeface="Noto Sans CJK KR DemiLight" panose="020B0400000000000000" pitchFamily="34" charset="-127"/>
-                <a:ea typeface="Noto Sans CJK KR DemiLight" panose="020B0400000000000000" pitchFamily="34" charset="-127"/>
-              </a:rPr>
-              <a:t>기반 편집기를 </a:t>
-            </a:r>
-            <a:r>
-              <a:rPr lang="ko-KR" altLang="en-US" spc="-130" dirty="0" smtClean="0">
-                <a:ln>
-                  <a:solidFill>
-                    <a:schemeClr val="tx1">
-                      <a:lumMod val="95000"/>
-                      <a:lumOff val="5000"/>
-                      <a:alpha val="22000"/>
-                    </a:schemeClr>
-                  </a:solidFill>
-                </a:ln>
-                <a:solidFill>
-                  <a:schemeClr val="bg1"/>
-                </a:solidFill>
-                <a:latin typeface="Noto Sans CJK KR DemiLight" panose="020B0400000000000000" pitchFamily="34" charset="-127"/>
-                <a:ea typeface="Noto Sans CJK KR DemiLight" panose="020B0400000000000000" pitchFamily="34" charset="-127"/>
-              </a:rPr>
-              <a:t>통해 구글이 제공하는 우수한 성능의 런타임을 사용할 수 있습니다</a:t>
+              <a:t>과 유사한 형식의 웹 기반 편집기를 통해 구글이 제공하는 우수한 성능의 런타임을 사용할 수 있습니다</a:t>
             </a:r>
             <a:r>
               <a:rPr lang="en-US" altLang="ko-KR" spc="-130" dirty="0" smtClean="0">
@@ -5253,64 +5215,7 @@
                 <a:latin typeface="Noto Sans CJK KR DemiLight" panose="020B0400000000000000" pitchFamily="34" charset="-127"/>
                 <a:ea typeface="Noto Sans CJK KR DemiLight" panose="020B0400000000000000" pitchFamily="34" charset="-127"/>
               </a:rPr>
-              <a:t>에서 </a:t>
-            </a:r>
-            <a:r>
-              <a:rPr lang="ko-KR" altLang="en-US" spc="-130" dirty="0" smtClean="0">
-                <a:ln>
-                  <a:solidFill>
-                    <a:schemeClr val="tx1">
-                      <a:lumMod val="95000"/>
-                      <a:lumOff val="5000"/>
-                      <a:alpha val="22000"/>
-                    </a:schemeClr>
-                  </a:solidFill>
-                </a:ln>
-                <a:solidFill>
-                  <a:schemeClr val="bg1"/>
-                </a:solidFill>
-                <a:latin typeface="Noto Sans CJK KR DemiLight" panose="020B0400000000000000" pitchFamily="34" charset="-127"/>
-                <a:ea typeface="Noto Sans CJK KR DemiLight" panose="020B0400000000000000" pitchFamily="34" charset="-127"/>
-              </a:rPr>
-              <a:t>사용자는 </a:t>
-            </a:r>
-            <a:r>
-              <a:rPr lang="ko-KR" altLang="en-US" spc="-130" dirty="0" smtClean="0">
-                <a:ln>
-                  <a:solidFill>
-                    <a:schemeClr val="tx1">
-                      <a:lumMod val="95000"/>
-                      <a:lumOff val="5000"/>
-                      <a:alpha val="22000"/>
-                    </a:schemeClr>
-                  </a:solidFill>
-                </a:ln>
-                <a:solidFill>
-                  <a:schemeClr val="bg1"/>
-                </a:solidFill>
-                <a:latin typeface="Noto Sans CJK KR DemiLight" panose="020B0400000000000000" pitchFamily="34" charset="-127"/>
-                <a:ea typeface="Noto Sans CJK KR DemiLight" panose="020B0400000000000000" pitchFamily="34" charset="-127"/>
-              </a:rPr>
-              <a:t>구글이 제공하는 고성능</a:t>
-            </a:r>
-            <a:r>
-              <a:rPr lang="ko-KR" altLang="en-US" spc="-130" dirty="0" smtClean="0">
-                <a:ln>
-                  <a:solidFill>
-                    <a:schemeClr val="tx1">
-                      <a:lumMod val="95000"/>
-                      <a:lumOff val="5000"/>
-                      <a:alpha val="22000"/>
-                    </a:schemeClr>
-                  </a:solidFill>
-                </a:ln>
-                <a:solidFill>
-                  <a:schemeClr val="bg1"/>
-                </a:solidFill>
-                <a:latin typeface="Noto Sans CJK KR DemiLight" panose="020B0400000000000000" pitchFamily="34" charset="-127"/>
-                <a:ea typeface="Noto Sans CJK KR DemiLight" panose="020B0400000000000000" pitchFamily="34" charset="-127"/>
-              </a:rPr>
-              <a:t> </a:t>
+              <a:t>에서 사용자는 구글이 제공하는 고성능 </a:t>
             </a:r>
             <a:r>
               <a:rPr lang="en-US" altLang="ko-KR" spc="-130" dirty="0" smtClean="0">
@@ -5669,7 +5574,7 @@
                 <a:latin typeface="Noto Sans CJK KR DemiLight" panose="020B0400000000000000" pitchFamily="34" charset="-127"/>
                 <a:ea typeface="Noto Sans CJK KR DemiLight" panose="020B0400000000000000" pitchFamily="34" charset="-127"/>
               </a:rPr>
-              <a:t>에 </a:t>
+              <a:t>에 널리 활용되는 </a:t>
             </a:r>
             <a:r>
               <a:rPr lang="ko-KR" altLang="en-US" spc="-130" dirty="0" smtClean="0">
@@ -5683,12 +5588,12 @@
                   </a:solidFill>
                 </a:ln>
                 <a:solidFill>
-                  <a:schemeClr val="bg1"/>
-                </a:solidFill>
-                <a:latin typeface="Noto Sans CJK KR DemiLight" panose="020B0400000000000000" pitchFamily="34" charset="-127"/>
-                <a:ea typeface="Noto Sans CJK KR DemiLight" panose="020B0400000000000000" pitchFamily="34" charset="-127"/>
-              </a:rPr>
-              <a:t>널리 활용되는 </a:t>
+                  <a:srgbClr val="FFC000"/>
+                </a:solidFill>
+                <a:latin typeface="Noto Sans CJK KR DemiLight" panose="020B0400000000000000" pitchFamily="34" charset="-127"/>
+                <a:ea typeface="Noto Sans CJK KR DemiLight" panose="020B0400000000000000" pitchFamily="34" charset="-127"/>
+              </a:rPr>
+              <a:t>각종 패키지들이  미리 설치</a:t>
             </a:r>
             <a:r>
               <a:rPr lang="ko-KR" altLang="en-US" spc="-130" dirty="0" smtClean="0">
@@ -5702,25 +5607,6 @@
                   </a:solidFill>
                 </a:ln>
                 <a:solidFill>
-                  <a:srgbClr val="FFC000"/>
-                </a:solidFill>
-                <a:latin typeface="Noto Sans CJK KR DemiLight" panose="020B0400000000000000" pitchFamily="34" charset="-127"/>
-                <a:ea typeface="Noto Sans CJK KR DemiLight" panose="020B0400000000000000" pitchFamily="34" charset="-127"/>
-              </a:rPr>
-              <a:t>각종 패키지들이  미리 설치</a:t>
-            </a:r>
-            <a:r>
-              <a:rPr lang="ko-KR" altLang="en-US" spc="-130" dirty="0" smtClean="0">
-                <a:ln>
-                  <a:solidFill>
-                    <a:schemeClr val="tx1">
-                      <a:lumMod val="95000"/>
-                      <a:lumOff val="5000"/>
-                      <a:alpha val="22000"/>
-                    </a:schemeClr>
-                  </a:solidFill>
-                </a:ln>
-                <a:solidFill>
                   <a:schemeClr val="bg1"/>
                 </a:solidFill>
                 <a:latin typeface="Noto Sans CJK KR DemiLight" panose="020B0400000000000000" pitchFamily="34" charset="-127"/>
@@ -5747,22 +5633,6 @@
               </a:rPr>
               <a:t>. </a:t>
             </a:r>
-            <a:endParaRPr lang="en-US" altLang="ko-KR" spc="-130" dirty="0" smtClean="0">
-              <a:ln>
-                <a:solidFill>
-                  <a:schemeClr val="tx1">
-                    <a:lumMod val="95000"/>
-                    <a:lumOff val="5000"/>
-                    <a:alpha val="22000"/>
-                  </a:schemeClr>
-                </a:solidFill>
-              </a:ln>
-              <a:solidFill>
-                <a:schemeClr val="bg1"/>
-              </a:solidFill>
-              <a:latin typeface="Noto Sans CJK KR DemiLight" panose="020B0400000000000000" pitchFamily="34" charset="-127"/>
-              <a:ea typeface="Noto Sans CJK KR DemiLight" panose="020B0400000000000000" pitchFamily="34" charset="-127"/>
-            </a:endParaRPr>
           </a:p>
           <a:p>
             <a:endParaRPr lang="en-US" altLang="ko-KR" spc="-130" dirty="0">
@@ -7390,22 +7260,6 @@
               </a:rPr>
               <a:t>. </a:t>
             </a:r>
-            <a:endParaRPr lang="en-US" altLang="ko-KR" spc="-130" dirty="0" smtClean="0">
-              <a:ln>
-                <a:solidFill>
-                  <a:schemeClr val="tx1">
-                    <a:lumMod val="95000"/>
-                    <a:lumOff val="5000"/>
-                    <a:alpha val="22000"/>
-                  </a:schemeClr>
-                </a:solidFill>
-              </a:ln>
-              <a:solidFill>
-                <a:schemeClr val="bg1"/>
-              </a:solidFill>
-              <a:latin typeface="Noto Sans CJK KR DemiLight" panose="020B0400000000000000" pitchFamily="34" charset="-127"/>
-              <a:ea typeface="Noto Sans CJK KR DemiLight" panose="020B0400000000000000" pitchFamily="34" charset="-127"/>
-            </a:endParaRPr>
           </a:p>
         </p:txBody>
       </p:sp>
@@ -7680,7 +7534,7 @@
         <p:spPr>
           <a:xfrm>
             <a:off x="2285160" y="3893239"/>
-            <a:ext cx="4571999" cy="3416320"/>
+            <a:ext cx="4571999" cy="2862322"/>
           </a:xfrm>
           <a:prstGeom prst="rect">
             <a:avLst/>
@@ -7861,7 +7715,26 @@
                 <a:latin typeface="Noto Sans CJK KR DemiLight" panose="020B0400000000000000" pitchFamily="34" charset="-127"/>
                 <a:ea typeface="Noto Sans CJK KR DemiLight" panose="020B0400000000000000" pitchFamily="34" charset="-127"/>
               </a:rPr>
-              <a:t>Python </a:t>
+              <a:t>Python 2.7/3.6 </a:t>
+            </a:r>
+            <a:r>
+              <a:rPr lang="ko-KR" altLang="en-US" spc="-130" dirty="0" smtClean="0">
+                <a:ln>
+                  <a:solidFill>
+                    <a:schemeClr val="tx1">
+                      <a:lumMod val="95000"/>
+                      <a:lumOff val="5000"/>
+                      <a:alpha val="22000"/>
+                    </a:schemeClr>
+                  </a:solidFill>
+                </a:ln>
+                <a:solidFill>
+                  <a:schemeClr val="bg1"/>
+                </a:solidFill>
+                <a:latin typeface="Noto Sans CJK KR DemiLight" panose="020B0400000000000000" pitchFamily="34" charset="-127"/>
+                <a:ea typeface="Noto Sans CJK KR DemiLight" panose="020B0400000000000000" pitchFamily="34" charset="-127"/>
+              </a:rPr>
+              <a:t>만</a:t>
             </a:r>
             <a:r>
               <a:rPr lang="en-US" altLang="ko-KR" spc="-130" dirty="0" smtClean="0">
@@ -7875,12 +7748,12 @@
                   </a:solidFill>
                 </a:ln>
                 <a:solidFill>
-                  <a:srgbClr val="FFC000"/>
-                </a:solidFill>
-                <a:latin typeface="Noto Sans CJK KR DemiLight" panose="020B0400000000000000" pitchFamily="34" charset="-127"/>
-                <a:ea typeface="Noto Sans CJK KR DemiLight" panose="020B0400000000000000" pitchFamily="34" charset="-127"/>
-              </a:rPr>
-              <a:t>2.7/3.6 </a:t>
+                  <a:schemeClr val="bg1"/>
+                </a:solidFill>
+                <a:latin typeface="Noto Sans CJK KR DemiLight" panose="020B0400000000000000" pitchFamily="34" charset="-127"/>
+                <a:ea typeface="Noto Sans CJK KR DemiLight" panose="020B0400000000000000" pitchFamily="34" charset="-127"/>
+              </a:rPr>
+              <a:t> </a:t>
             </a:r>
             <a:r>
               <a:rPr lang="ko-KR" altLang="en-US" spc="-130" dirty="0" smtClean="0">
@@ -7899,64 +7772,7 @@
                 <a:latin typeface="Noto Sans CJK KR DemiLight" panose="020B0400000000000000" pitchFamily="34" charset="-127"/>
                 <a:ea typeface="Noto Sans CJK KR DemiLight" panose="020B0400000000000000" pitchFamily="34" charset="-127"/>
               </a:rPr>
-              <a:t>만</a:t>
-            </a:r>
-            <a:r>
-              <a:rPr lang="en-US" altLang="ko-KR" spc="-130" dirty="0" smtClean="0">
-                <a:ln>
-                  <a:solidFill>
-                    <a:schemeClr val="tx1">
-                      <a:lumMod val="95000"/>
-                      <a:lumOff val="5000"/>
-                      <a:alpha val="22000"/>
-                    </a:schemeClr>
-                  </a:solidFill>
-                </a:ln>
-                <a:solidFill>
-                  <a:schemeClr val="bg1"/>
-                </a:solidFill>
-                <a:latin typeface="Noto Sans CJK KR DemiLight" panose="020B0400000000000000" pitchFamily="34" charset="-127"/>
-                <a:ea typeface="Noto Sans CJK KR DemiLight" panose="020B0400000000000000" pitchFamily="34" charset="-127"/>
-              </a:rPr>
-              <a:t> </a:t>
-            </a:r>
-            <a:r>
-              <a:rPr lang="ko-KR" altLang="en-US" spc="-130" dirty="0" smtClean="0">
-                <a:ln>
-                  <a:solidFill>
-                    <a:schemeClr val="tx1">
-                      <a:lumMod val="95000"/>
-                      <a:lumOff val="5000"/>
-                      <a:alpha val="22000"/>
-                    </a:schemeClr>
-                  </a:solidFill>
-                </a:ln>
-                <a:solidFill>
-                  <a:schemeClr val="bg1"/>
-                </a:solidFill>
-                <a:latin typeface="Noto Sans CJK KR DemiLight" panose="020B0400000000000000" pitchFamily="34" charset="-127"/>
-                <a:ea typeface="Noto Sans CJK KR DemiLight" panose="020B0400000000000000" pitchFamily="34" charset="-127"/>
-              </a:rPr>
-              <a:t>지원 </a:t>
-            </a:r>
-            <a:r>
-              <a:rPr lang="ko-KR" altLang="en-US" spc="-130" dirty="0" smtClean="0">
-                <a:ln>
-                  <a:solidFill>
-                    <a:schemeClr val="tx1">
-                      <a:lumMod val="95000"/>
-                      <a:lumOff val="5000"/>
-                      <a:alpha val="22000"/>
-                    </a:schemeClr>
-                  </a:solidFill>
-                </a:ln>
-                <a:solidFill>
-                  <a:schemeClr val="bg1"/>
-                </a:solidFill>
-                <a:latin typeface="Noto Sans CJK KR DemiLight" panose="020B0400000000000000" pitchFamily="34" charset="-127"/>
-                <a:ea typeface="Noto Sans CJK KR DemiLight" panose="020B0400000000000000" pitchFamily="34" charset="-127"/>
-              </a:rPr>
-              <a:t>합니다</a:t>
+              <a:t>지원 합니다</a:t>
             </a:r>
             <a:r>
               <a:rPr lang="en-US" altLang="ko-KR" spc="-130" dirty="0" smtClean="0">
@@ -8106,7 +7922,26 @@
                 <a:latin typeface="Noto Sans CJK KR DemiLight" panose="020B0400000000000000" pitchFamily="34" charset="-127"/>
                 <a:ea typeface="Noto Sans CJK KR DemiLight" panose="020B0400000000000000" pitchFamily="34" charset="-127"/>
               </a:rPr>
-              <a:t>이 가능하고 </a:t>
+              <a:t>이 가능하고 웹 기반 호스팅 유지 환경을 안정적으로 유지해야 합니다</a:t>
+            </a:r>
+            <a:r>
+              <a:rPr lang="en-US" altLang="ko-KR" spc="-130" dirty="0" smtClean="0">
+                <a:ln>
+                  <a:solidFill>
+                    <a:schemeClr val="tx1">
+                      <a:lumMod val="95000"/>
+                      <a:lumOff val="5000"/>
+                      <a:alpha val="22000"/>
+                    </a:schemeClr>
+                  </a:solidFill>
+                </a:ln>
+                <a:solidFill>
+                  <a:schemeClr val="bg1"/>
+                </a:solidFill>
+                <a:latin typeface="Noto Sans CJK KR DemiLight" panose="020B0400000000000000" pitchFamily="34" charset="-127"/>
+                <a:ea typeface="Noto Sans CJK KR DemiLight" panose="020B0400000000000000" pitchFamily="34" charset="-127"/>
+              </a:rPr>
+              <a:t>. </a:t>
             </a:r>
             <a:r>
               <a:rPr lang="ko-KR" altLang="en-US" spc="-130" dirty="0" smtClean="0">
@@ -8125,7 +7960,64 @@
                 <a:latin typeface="Noto Sans CJK KR DemiLight" panose="020B0400000000000000" pitchFamily="34" charset="-127"/>
                 <a:ea typeface="Noto Sans CJK KR DemiLight" panose="020B0400000000000000" pitchFamily="34" charset="-127"/>
               </a:rPr>
-              <a:t>웹 기반 호스팅 유지 환경을 안정적으로 유지해야 합니다</a:t>
+              <a:t>다만 일일 사용 제한은 없기 때문에 </a:t>
+            </a:r>
+            <a:r>
+              <a:rPr lang="ko-KR" altLang="en-US" spc="-130" dirty="0" smtClean="0">
+                <a:ln>
+                  <a:solidFill>
+                    <a:schemeClr val="tx1">
+                      <a:lumMod val="95000"/>
+                      <a:lumOff val="5000"/>
+                      <a:alpha val="22000"/>
+                    </a:schemeClr>
+                  </a:solidFill>
+                </a:ln>
+                <a:solidFill>
+                  <a:srgbClr val="FFC000"/>
+                </a:solidFill>
+                <a:latin typeface="Noto Sans CJK KR DemiLight" panose="020B0400000000000000" pitchFamily="34" charset="-127"/>
+                <a:ea typeface="Noto Sans CJK KR DemiLight" panose="020B0400000000000000" pitchFamily="34" charset="-127"/>
+              </a:rPr>
+              <a:t>반복해서 사용</a:t>
+            </a:r>
+            <a:r>
+              <a:rPr lang="ko-KR" altLang="en-US" spc="-130" dirty="0" smtClean="0">
+                <a:ln>
+                  <a:solidFill>
+                    <a:schemeClr val="tx1">
+                      <a:lumMod val="95000"/>
+                      <a:lumOff val="5000"/>
+                      <a:alpha val="22000"/>
+                    </a:schemeClr>
+                  </a:solidFill>
+                </a:ln>
+                <a:solidFill>
+                  <a:schemeClr val="bg1"/>
+                </a:solidFill>
+                <a:latin typeface="Noto Sans CJK KR DemiLight" panose="020B0400000000000000" pitchFamily="34" charset="-127"/>
+                <a:ea typeface="Noto Sans CJK KR DemiLight" panose="020B0400000000000000" pitchFamily="34" charset="-127"/>
+              </a:rPr>
+              <a:t>할 수 </a:t>
+            </a:r>
+            <a:r>
+              <a:rPr lang="ko-KR" altLang="en-US" spc="-130" dirty="0" smtClean="0">
+                <a:ln>
+                  <a:solidFill>
+                    <a:schemeClr val="tx1">
+                      <a:lumMod val="95000"/>
+                      <a:lumOff val="5000"/>
+                      <a:alpha val="22000"/>
+                    </a:schemeClr>
+                  </a:solidFill>
+                </a:ln>
+                <a:solidFill>
+                  <a:schemeClr val="bg1"/>
+                </a:solidFill>
+                <a:latin typeface="Noto Sans CJK KR DemiLight" panose="020B0400000000000000" pitchFamily="34" charset="-127"/>
+                <a:ea typeface="Noto Sans CJK KR DemiLight" panose="020B0400000000000000" pitchFamily="34" charset="-127"/>
+              </a:rPr>
+              <a:t>있습니다</a:t>
             </a:r>
             <a:r>
               <a:rPr lang="en-US" altLang="ko-KR" spc="-130" dirty="0" smtClean="0">
@@ -8146,104 +8038,9 @@
               </a:rPr>
               <a:t>. </a:t>
             </a:r>
-            <a:r>
-              <a:rPr lang="ko-KR" altLang="en-US" spc="-130" dirty="0" smtClean="0">
-                <a:ln>
-                  <a:solidFill>
-                    <a:schemeClr val="tx1">
-                      <a:lumMod val="95000"/>
-                      <a:lumOff val="5000"/>
-                      <a:alpha val="22000"/>
-                    </a:schemeClr>
-                  </a:solidFill>
-                </a:ln>
-                <a:solidFill>
-                  <a:schemeClr val="bg1"/>
-                </a:solidFill>
-                <a:latin typeface="Noto Sans CJK KR DemiLight" panose="020B0400000000000000" pitchFamily="34" charset="-127"/>
-                <a:ea typeface="Noto Sans CJK KR DemiLight" panose="020B0400000000000000" pitchFamily="34" charset="-127"/>
-              </a:rPr>
-              <a:t>다만 일일 사용 제한은 없기 때문에 </a:t>
-            </a:r>
-            <a:r>
-              <a:rPr lang="ko-KR" altLang="en-US" spc="-130" dirty="0" smtClean="0">
-                <a:ln>
-                  <a:solidFill>
-                    <a:schemeClr val="tx1">
-                      <a:lumMod val="95000"/>
-                      <a:lumOff val="5000"/>
-                      <a:alpha val="22000"/>
-                    </a:schemeClr>
-                  </a:solidFill>
-                </a:ln>
-                <a:solidFill>
-                  <a:srgbClr val="FFC000"/>
-                </a:solidFill>
-                <a:latin typeface="Noto Sans CJK KR DemiLight" panose="020B0400000000000000" pitchFamily="34" charset="-127"/>
-                <a:ea typeface="Noto Sans CJK KR DemiLight" panose="020B0400000000000000" pitchFamily="34" charset="-127"/>
-              </a:rPr>
-              <a:t>반복해서 사용</a:t>
-            </a:r>
-            <a:r>
-              <a:rPr lang="ko-KR" altLang="en-US" spc="-130" dirty="0" smtClean="0">
-                <a:ln>
-                  <a:solidFill>
-                    <a:schemeClr val="tx1">
-                      <a:lumMod val="95000"/>
-                      <a:lumOff val="5000"/>
-                      <a:alpha val="22000"/>
-                    </a:schemeClr>
-                  </a:solidFill>
-                </a:ln>
-                <a:solidFill>
-                  <a:schemeClr val="bg1"/>
-                </a:solidFill>
-                <a:latin typeface="Noto Sans CJK KR DemiLight" panose="020B0400000000000000" pitchFamily="34" charset="-127"/>
-                <a:ea typeface="Noto Sans CJK KR DemiLight" panose="020B0400000000000000" pitchFamily="34" charset="-127"/>
-              </a:rPr>
-              <a:t>할 </a:t>
-            </a:r>
-            <a:r>
-              <a:rPr lang="ko-KR" altLang="en-US" spc="-130" dirty="0" smtClean="0">
-                <a:ln>
-                  <a:solidFill>
-                    <a:schemeClr val="tx1">
-                      <a:lumMod val="95000"/>
-                      <a:lumOff val="5000"/>
-                      <a:alpha val="22000"/>
-                    </a:schemeClr>
-                  </a:solidFill>
-                </a:ln>
-                <a:solidFill>
-                  <a:schemeClr val="bg1"/>
-                </a:solidFill>
-                <a:latin typeface="Noto Sans CJK KR DemiLight" panose="020B0400000000000000" pitchFamily="34" charset="-127"/>
-                <a:ea typeface="Noto Sans CJK KR DemiLight" panose="020B0400000000000000" pitchFamily="34" charset="-127"/>
-              </a:rPr>
-              <a:t>수 있습니다</a:t>
-            </a:r>
-            <a:r>
-              <a:rPr lang="en-US" altLang="ko-KR" spc="-130" dirty="0" smtClean="0">
-                <a:ln>
-                  <a:solidFill>
-                    <a:schemeClr val="tx1">
-                      <a:lumMod val="95000"/>
-                      <a:lumOff val="5000"/>
-                      <a:alpha val="22000"/>
-                    </a:schemeClr>
-                  </a:solidFill>
-                </a:ln>
-                <a:solidFill>
-                  <a:schemeClr val="bg1"/>
-                </a:solidFill>
-                <a:latin typeface="Noto Sans CJK KR DemiLight" panose="020B0400000000000000" pitchFamily="34" charset="-127"/>
-                <a:ea typeface="Noto Sans CJK KR DemiLight" panose="020B0400000000000000" pitchFamily="34" charset="-127"/>
-              </a:rPr>
-              <a:t>. </a:t>
-            </a:r>
-          </a:p>
-          <a:p>
-            <a:endParaRPr lang="en-US" altLang="ko-KR" spc="-130" dirty="0">
+          </a:p>
+          <a:p>
+            <a:endParaRPr lang="en-US" altLang="ko-KR" spc="-130" dirty="0" smtClean="0">
               <a:ln>
                 <a:solidFill>
                   <a:schemeClr val="tx1">
@@ -8262,6 +8059,25 @@
           </a:p>
           <a:p>
             <a:r>
+              <a:rPr lang="en-US" altLang="ko-KR" spc="-130" dirty="0" smtClean="0">
+                <a:ln>
+                  <a:solidFill>
+                    <a:schemeClr val="tx1">
+                      <a:lumMod val="95000"/>
+                      <a:lumOff val="5000"/>
+                      <a:alpha val="22000"/>
+                    </a:schemeClr>
+                  </a:solidFill>
+                </a:ln>
+                <a:solidFill>
+                  <a:srgbClr val="FFC000"/>
+                </a:solidFill>
+                <a:latin typeface="Noto Sans CJK KR DemiLight" panose="020B0400000000000000" pitchFamily="34" charset="-127"/>
+                <a:ea typeface="Noto Sans CJK KR DemiLight" panose="020B0400000000000000" pitchFamily="34" charset="-127"/>
+              </a:rPr>
+              <a:t>90</a:t>
+            </a:r>
+            <a:r>
               <a:rPr lang="ko-KR" altLang="en-US" spc="-130" dirty="0" smtClean="0">
                 <a:ln>
                   <a:solidFill>
@@ -8273,31 +8089,12 @@
                   </a:solidFill>
                 </a:ln>
                 <a:solidFill>
-                  <a:schemeClr val="bg1"/>
-                </a:solidFill>
-                <a:latin typeface="Noto Sans CJK KR DemiLight" panose="020B0400000000000000" pitchFamily="34" charset="-127"/>
-                <a:ea typeface="Noto Sans CJK KR DemiLight" panose="020B0400000000000000" pitchFamily="34" charset="-127"/>
-              </a:rPr>
-              <a:t>간혹 </a:t>
-            </a:r>
-            <a:r>
-              <a:rPr lang="ko-KR" altLang="en-US" spc="-130" dirty="0">
-                <a:ln>
-                  <a:solidFill>
-                    <a:schemeClr val="tx1">
-                      <a:lumMod val="95000"/>
-                      <a:lumOff val="5000"/>
-                      <a:alpha val="22000"/>
-                    </a:schemeClr>
-                  </a:solidFill>
-                </a:ln>
-                <a:solidFill>
-                  <a:schemeClr val="bg1"/>
-                </a:solidFill>
-                <a:latin typeface="Noto Sans CJK KR DemiLight" panose="020B0400000000000000" pitchFamily="34" charset="-127"/>
-                <a:ea typeface="Noto Sans CJK KR DemiLight" panose="020B0400000000000000" pitchFamily="34" charset="-127"/>
-              </a:rPr>
-              <a:t>사용자가 많으면 </a:t>
+                  <a:srgbClr val="FFC000"/>
+                </a:solidFill>
+                <a:latin typeface="Noto Sans CJK KR DemiLight" panose="020B0400000000000000" pitchFamily="34" charset="-127"/>
+                <a:ea typeface="Noto Sans CJK KR DemiLight" panose="020B0400000000000000" pitchFamily="34" charset="-127"/>
+              </a:rPr>
+              <a:t>분간 무응답 </a:t>
             </a:r>
             <a:r>
               <a:rPr lang="ko-KR" altLang="en-US" spc="-130" dirty="0" smtClean="0">
@@ -8316,9 +8113,47 @@
                 <a:latin typeface="Noto Sans CJK KR DemiLight" panose="020B0400000000000000" pitchFamily="34" charset="-127"/>
                 <a:ea typeface="Noto Sans CJK KR DemiLight" panose="020B0400000000000000" pitchFamily="34" charset="-127"/>
               </a:rPr>
+              <a:t>시</a:t>
+            </a:r>
+            <a:r>
+              <a:rPr lang="en-US" altLang="ko-KR" spc="-130" dirty="0">
+                <a:ln>
+                  <a:solidFill>
+                    <a:schemeClr val="tx1">
+                      <a:lumMod val="95000"/>
+                      <a:lumOff val="5000"/>
+                      <a:alpha val="22000"/>
+                    </a:schemeClr>
+                  </a:solidFill>
+                </a:ln>
+                <a:solidFill>
+                  <a:schemeClr val="bg1"/>
+                </a:solidFill>
+                <a:latin typeface="Noto Sans CJK KR DemiLight" panose="020B0400000000000000" pitchFamily="34" charset="-127"/>
+                <a:ea typeface="Noto Sans CJK KR DemiLight" panose="020B0400000000000000" pitchFamily="34" charset="-127"/>
+              </a:rPr>
               <a:t> </a:t>
             </a:r>
             <a:r>
+              <a:rPr lang="en-US" altLang="ko-KR" spc="-130" dirty="0" err="1" smtClean="0">
+                <a:ln>
+                  <a:solidFill>
+                    <a:schemeClr val="tx1">
+                      <a:lumMod val="95000"/>
+                      <a:lumOff val="5000"/>
+                      <a:alpha val="22000"/>
+                    </a:schemeClr>
+                  </a:solidFill>
+                </a:ln>
+                <a:solidFill>
+                  <a:schemeClr val="bg1"/>
+                </a:solidFill>
+                <a:latin typeface="Noto Sans CJK KR DemiLight" panose="020B0400000000000000" pitchFamily="34" charset="-127"/>
+                <a:ea typeface="Noto Sans CJK KR DemiLight" panose="020B0400000000000000" pitchFamily="34" charset="-127"/>
+              </a:rPr>
+              <a:t>colab</a:t>
+            </a:r>
+            <a:r>
               <a:rPr lang="en-US" altLang="ko-KR" spc="-130" dirty="0" smtClean="0">
                 <a:ln>
                   <a:solidFill>
@@ -8330,12 +8165,12 @@
                   </a:solidFill>
                 </a:ln>
                 <a:solidFill>
-                  <a:srgbClr val="FFC000"/>
-                </a:solidFill>
-                <a:latin typeface="Noto Sans CJK KR DemiLight" panose="020B0400000000000000" pitchFamily="34" charset="-127"/>
-                <a:ea typeface="Noto Sans CJK KR DemiLight" panose="020B0400000000000000" pitchFamily="34" charset="-127"/>
-              </a:rPr>
-              <a:t>GPU </a:t>
+                  <a:schemeClr val="bg1"/>
+                </a:solidFill>
+                <a:latin typeface="Noto Sans CJK KR DemiLight" panose="020B0400000000000000" pitchFamily="34" charset="-127"/>
+                <a:ea typeface="Noto Sans CJK KR DemiLight" panose="020B0400000000000000" pitchFamily="34" charset="-127"/>
+              </a:rPr>
+              <a:t> instance</a:t>
             </a:r>
             <a:r>
               <a:rPr lang="ko-KR" altLang="en-US" spc="-130" dirty="0" smtClean="0">
@@ -8349,69 +8184,12 @@
                   </a:solidFill>
                 </a:ln>
                 <a:solidFill>
-                  <a:srgbClr val="FFC000"/>
-                </a:solidFill>
-                <a:latin typeface="Noto Sans CJK KR DemiLight" panose="020B0400000000000000" pitchFamily="34" charset="-127"/>
-                <a:ea typeface="Noto Sans CJK KR DemiLight" panose="020B0400000000000000" pitchFamily="34" charset="-127"/>
-              </a:rPr>
-              <a:t>사용 전환 </a:t>
-            </a:r>
-            <a:r>
-              <a:rPr lang="ko-KR" altLang="en-US" spc="-130" dirty="0" smtClean="0">
-                <a:ln>
-                  <a:solidFill>
-                    <a:schemeClr val="tx1">
-                      <a:lumMod val="95000"/>
-                      <a:lumOff val="5000"/>
-                      <a:alpha val="22000"/>
-                    </a:schemeClr>
-                  </a:solidFill>
-                </a:ln>
-                <a:solidFill>
-                  <a:srgbClr val="FFC000"/>
-                </a:solidFill>
-                <a:latin typeface="Noto Sans CJK KR DemiLight" panose="020B0400000000000000" pitchFamily="34" charset="-127"/>
-                <a:ea typeface="Noto Sans CJK KR DemiLight" panose="020B0400000000000000" pitchFamily="34" charset="-127"/>
-              </a:rPr>
-              <a:t>오류</a:t>
-            </a:r>
-            <a:r>
-              <a:rPr lang="ko-KR" altLang="en-US" spc="-130" dirty="0">
-                <a:ln>
-                  <a:solidFill>
-                    <a:schemeClr val="tx1">
-                      <a:lumMod val="95000"/>
-                      <a:lumOff val="5000"/>
-                      <a:alpha val="22000"/>
-                    </a:schemeClr>
-                  </a:solidFill>
-                </a:ln>
-                <a:solidFill>
-                  <a:schemeClr val="bg1"/>
-                </a:solidFill>
-                <a:latin typeface="Noto Sans CJK KR DemiLight" panose="020B0400000000000000" pitchFamily="34" charset="-127"/>
-                <a:ea typeface="Noto Sans CJK KR DemiLight" panose="020B0400000000000000" pitchFamily="34" charset="-127"/>
-              </a:rPr>
-              <a:t>가</a:t>
-            </a:r>
-            <a:r>
-              <a:rPr lang="ko-KR" altLang="en-US" spc="-130" dirty="0" smtClean="0">
-                <a:ln>
-                  <a:solidFill>
-                    <a:schemeClr val="tx1">
-                      <a:lumMod val="95000"/>
-                      <a:lumOff val="5000"/>
-                      <a:alpha val="22000"/>
-                    </a:schemeClr>
-                  </a:solidFill>
-                </a:ln>
-                <a:solidFill>
-                  <a:schemeClr val="bg1"/>
-                </a:solidFill>
-                <a:latin typeface="Noto Sans CJK KR DemiLight" panose="020B0400000000000000" pitchFamily="34" charset="-127"/>
-                <a:ea typeface="Noto Sans CJK KR DemiLight" panose="020B0400000000000000" pitchFamily="34" charset="-127"/>
-              </a:rPr>
-              <a:t> 보고 되고 있습니다</a:t>
+                  <a:schemeClr val="bg1"/>
+                </a:solidFill>
+                <a:latin typeface="Noto Sans CJK KR DemiLight" panose="020B0400000000000000" pitchFamily="34" charset="-127"/>
+                <a:ea typeface="Noto Sans CJK KR DemiLight" panose="020B0400000000000000" pitchFamily="34" charset="-127"/>
+              </a:rPr>
+              <a:t>가 자동적으로 종료됩니다</a:t>
             </a:r>
             <a:r>
               <a:rPr lang="en-US" altLang="ko-KR" spc="-130" dirty="0" smtClean="0">
@@ -8430,66 +8208,8 @@
                 <a:latin typeface="Noto Sans CJK KR DemiLight" panose="020B0400000000000000" pitchFamily="34" charset="-127"/>
                 <a:ea typeface="Noto Sans CJK KR DemiLight" panose="020B0400000000000000" pitchFamily="34" charset="-127"/>
               </a:rPr>
-              <a:t>. </a:t>
-            </a:r>
-            <a:endParaRPr lang="en-US" altLang="ko-KR" spc="-130" dirty="0">
-              <a:ln>
-                <a:solidFill>
-                  <a:schemeClr val="tx1">
-                    <a:lumMod val="95000"/>
-                    <a:lumOff val="5000"/>
-                    <a:alpha val="22000"/>
-                  </a:schemeClr>
-                </a:solidFill>
-              </a:ln>
-              <a:solidFill>
-                <a:schemeClr val="bg1"/>
-              </a:solidFill>
-              <a:latin typeface="Noto Sans CJK KR DemiLight" panose="020B0400000000000000" pitchFamily="34" charset="-127"/>
-              <a:ea typeface="Noto Sans CJK KR DemiLight" panose="020B0400000000000000" pitchFamily="34" charset="-127"/>
-            </a:endParaRPr>
-          </a:p>
-          <a:p>
-            <a:pPr marL="342900" indent="-342900">
-              <a:buAutoNum type="arabicPeriod"/>
-            </a:pPr>
-            <a:endParaRPr lang="en-US" altLang="ko-KR" spc="-130" dirty="0" smtClean="0">
-              <a:ln>
-                <a:solidFill>
-                  <a:schemeClr val="tx1">
-                    <a:lumMod val="95000"/>
-                    <a:lumOff val="5000"/>
-                    <a:alpha val="22000"/>
-                  </a:schemeClr>
-                </a:solidFill>
-              </a:ln>
-              <a:solidFill>
-                <a:schemeClr val="bg1"/>
-              </a:solidFill>
-              <a:latin typeface="Noto Sans CJK KR DemiLight" panose="020B0400000000000000" pitchFamily="34" charset="-127"/>
-              <a:ea typeface="Noto Sans CJK KR DemiLight" panose="020B0400000000000000" pitchFamily="34" charset="-127"/>
-            </a:endParaRPr>
-          </a:p>
-          <a:p>
-            <a:pPr marL="342900" indent="-342900">
-              <a:buAutoNum type="arabicPeriod"/>
-            </a:pPr>
-            <a:endParaRPr lang="en-US" altLang="ko-KR" spc="-130" dirty="0" smtClean="0">
-              <a:ln>
-                <a:solidFill>
-                  <a:schemeClr val="tx1">
-                    <a:lumMod val="95000"/>
-                    <a:lumOff val="5000"/>
-                    <a:alpha val="22000"/>
-                  </a:schemeClr>
-                </a:solidFill>
-              </a:ln>
-              <a:solidFill>
-                <a:schemeClr val="bg1"/>
-              </a:solidFill>
-              <a:latin typeface="Noto Sans CJK KR DemiLight" panose="020B0400000000000000" pitchFamily="34" charset="-127"/>
-              <a:ea typeface="Noto Sans CJK KR DemiLight" panose="020B0400000000000000" pitchFamily="34" charset="-127"/>
-            </a:endParaRPr>
+              <a:t>.</a:t>
+            </a:r>
           </a:p>
         </p:txBody>
       </p:sp>
